--- a/Präsentation/404Notfound_Praesi_Abschluss.pptx
+++ b/Präsentation/404Notfound_Praesi_Abschluss.pptx
@@ -24,10 +24,11 @@
     <p:sldId id="300" r:id="rId18"/>
     <p:sldId id="295" r:id="rId19"/>
     <p:sldId id="302" r:id="rId20"/>
-    <p:sldId id="303" r:id="rId21"/>
-    <p:sldId id="306" r:id="rId22"/>
-    <p:sldId id="307" r:id="rId23"/>
-    <p:sldId id="266" r:id="rId24"/>
+    <p:sldId id="312" r:id="rId21"/>
+    <p:sldId id="303" r:id="rId22"/>
+    <p:sldId id="306" r:id="rId23"/>
+    <p:sldId id="307" r:id="rId24"/>
+    <p:sldId id="266" r:id="rId25"/>
   </p:sldIdLst>
   <p:sldSz cx="12192000" cy="6858000"/>
   <p:notesSz cx="6858000" cy="9144000"/>
@@ -5980,6 +5981,36 @@
           </a:prstGeom>
         </p:spPr>
       </p:pic>
+      <p:pic>
+        <p:nvPicPr>
+          <p:cNvPr id="7" name="Grafik 6">
+            <a:extLst>
+              <a:ext uri="{FF2B5EF4-FFF2-40B4-BE49-F238E27FC236}">
+                <a16:creationId xmlns:a16="http://schemas.microsoft.com/office/drawing/2014/main" id="{2C9E8F65-7D62-4927-A924-7ADA7568491E}"/>
+              </a:ext>
+            </a:extLst>
+          </p:cNvPr>
+          <p:cNvPicPr>
+            <a:picLocks noChangeAspect="1"/>
+          </p:cNvPicPr>
+          <p:nvPr/>
+        </p:nvPicPr>
+        <p:blipFill>
+          <a:blip r:embed="rId3"/>
+          <a:stretch>
+            <a:fillRect/>
+          </a:stretch>
+        </p:blipFill>
+        <p:spPr>
+          <a:xfrm>
+            <a:off x="4110925" y="1624480"/>
+            <a:ext cx="7847810" cy="1609343"/>
+          </a:xfrm>
+          <a:prstGeom prst="rect">
+            <a:avLst/>
+          </a:prstGeom>
+        </p:spPr>
+      </p:pic>
     </p:spTree>
     <p:extLst>
       <p:ext uri="{BB962C8B-B14F-4D97-AF65-F5344CB8AC3E}">
@@ -6379,7 +6410,7 @@
           <p:cNvPr id="2" name="Titel 1">
             <a:extLst>
               <a:ext uri="{FF2B5EF4-FFF2-40B4-BE49-F238E27FC236}">
-                <a16:creationId xmlns:a16="http://schemas.microsoft.com/office/drawing/2014/main" id="{013C42BB-D6A8-43C2-9DF8-83592F84AC26}"/>
+                <a16:creationId xmlns:a16="http://schemas.microsoft.com/office/drawing/2014/main" id="{0FD4166A-ADC6-4CB7-92A4-E5F8D80DA625}"/>
               </a:ext>
             </a:extLst>
           </p:cNvPr>
@@ -6407,7 +6438,7 @@
           <p:cNvPr id="3" name="Inhaltsplatzhalter 2">
             <a:extLst>
               <a:ext uri="{FF2B5EF4-FFF2-40B4-BE49-F238E27FC236}">
-                <a16:creationId xmlns:a16="http://schemas.microsoft.com/office/drawing/2014/main" id="{8DC6A81D-1E1A-4FCF-83A9-CCE046E021C7}"/>
+                <a16:creationId xmlns:a16="http://schemas.microsoft.com/office/drawing/2014/main" id="{B0FFB8E6-34A3-44D0-8CF9-C574903D04A7}"/>
               </a:ext>
             </a:extLst>
           </p:cNvPr>
@@ -6424,68 +6455,46 @@
           <a:lstStyle/>
           <a:p>
             <a:r>
-              <a:rPr lang="de-DE" dirty="0" err="1"/>
-              <a:t>Lessons</a:t>
-            </a:r>
-            <a:r>
               <a:rPr lang="de-DE" dirty="0"/>
-              <a:t> </a:t>
-            </a:r>
-            <a:r>
-              <a:rPr lang="de-DE" dirty="0" err="1"/>
-              <a:t>Learned</a:t>
-            </a:r>
-            <a:endParaRPr lang="de-DE" dirty="0"/>
-          </a:p>
-          <a:p>
-            <a:pPr lvl="1"/>
-            <a:r>
-              <a:rPr lang="de-DE" b="0" i="0" dirty="0">
-                <a:effectLst/>
-              </a:rPr>
-              <a:t>Listen die in einer Klasse immer wieder benutzt werden, sollten als Attribut dieser Klasse verwendet werden!</a:t>
-            </a:r>
-          </a:p>
-          <a:p>
-            <a:pPr lvl="1"/>
-            <a:r>
-              <a:rPr lang="de-DE" b="0" i="0" dirty="0">
-                <a:effectLst/>
-              </a:rPr>
-              <a:t>Keep </a:t>
-            </a:r>
-            <a:r>
-              <a:rPr lang="de-DE" b="0" i="0" dirty="0" err="1">
-                <a:effectLst/>
-              </a:rPr>
-              <a:t>it</a:t>
-            </a:r>
-            <a:r>
-              <a:rPr lang="de-DE" b="0" i="0" dirty="0">
-                <a:effectLst/>
-              </a:rPr>
-              <a:t> </a:t>
-            </a:r>
-            <a:r>
-              <a:rPr lang="de-DE" b="0" i="0" dirty="0" err="1">
-                <a:effectLst/>
-              </a:rPr>
-              <a:t>short</a:t>
-            </a:r>
-            <a:r>
-              <a:rPr lang="de-DE" b="0" i="0" dirty="0">
-                <a:effectLst/>
-              </a:rPr>
-              <a:t> and simple --&gt; Kleine Funktionen schreiben, die in Komplexeren Methoden zusammen verwendet werden können!</a:t>
-            </a:r>
-            <a:endParaRPr lang="de-DE" dirty="0"/>
-          </a:p>
-        </p:txBody>
-      </p:sp>
+              <a:t>Repository</a:t>
+            </a:r>
+          </a:p>
+        </p:txBody>
+      </p:sp>
+      <p:pic>
+        <p:nvPicPr>
+          <p:cNvPr id="5" name="Grafik 4">
+            <a:extLst>
+              <a:ext uri="{FF2B5EF4-FFF2-40B4-BE49-F238E27FC236}">
+                <a16:creationId xmlns:a16="http://schemas.microsoft.com/office/drawing/2014/main" id="{883B58EB-BC30-4D29-9848-D3275D410FC9}"/>
+              </a:ext>
+            </a:extLst>
+          </p:cNvPr>
+          <p:cNvPicPr>
+            <a:picLocks noChangeAspect="1"/>
+          </p:cNvPicPr>
+          <p:nvPr/>
+        </p:nvPicPr>
+        <p:blipFill>
+          <a:blip r:embed="rId2"/>
+          <a:stretch>
+            <a:fillRect/>
+          </a:stretch>
+        </p:blipFill>
+        <p:spPr>
+          <a:xfrm>
+            <a:off x="2791326" y="1823673"/>
+            <a:ext cx="9200147" cy="4876770"/>
+          </a:xfrm>
+          <a:prstGeom prst="rect">
+            <a:avLst/>
+          </a:prstGeom>
+        </p:spPr>
+      </p:pic>
     </p:spTree>
     <p:extLst>
       <p:ext uri="{BB962C8B-B14F-4D97-AF65-F5344CB8AC3E}">
-        <p14:creationId xmlns:p14="http://schemas.microsoft.com/office/powerpoint/2010/main" val="1456039882"/>
+        <p14:creationId xmlns:p14="http://schemas.microsoft.com/office/powerpoint/2010/main" val="2188303408"/>
       </p:ext>
     </p:extLst>
   </p:cSld>
@@ -6517,7 +6526,7 @@
           <p:cNvPr id="2" name="Titel 1">
             <a:extLst>
               <a:ext uri="{FF2B5EF4-FFF2-40B4-BE49-F238E27FC236}">
-                <a16:creationId xmlns:a16="http://schemas.microsoft.com/office/drawing/2014/main" id="{CA4211CC-74FE-4331-8B1F-832E96E8DF78}"/>
+                <a16:creationId xmlns:a16="http://schemas.microsoft.com/office/drawing/2014/main" id="{013C42BB-D6A8-43C2-9DF8-83592F84AC26}"/>
               </a:ext>
             </a:extLst>
           </p:cNvPr>
@@ -6545,7 +6554,7 @@
           <p:cNvPr id="3" name="Inhaltsplatzhalter 2">
             <a:extLst>
               <a:ext uri="{FF2B5EF4-FFF2-40B4-BE49-F238E27FC236}">
-                <a16:creationId xmlns:a16="http://schemas.microsoft.com/office/drawing/2014/main" id="{90F36DFE-FFFF-44DA-9B19-AB3B5C477281}"/>
+                <a16:creationId xmlns:a16="http://schemas.microsoft.com/office/drawing/2014/main" id="{8DC6A81D-1E1A-4FCF-83A9-CCE046E021C7}"/>
               </a:ext>
             </a:extLst>
           </p:cNvPr>
@@ -6562,43 +6571,78 @@
           <a:lstStyle/>
           <a:p>
             <a:r>
+              <a:rPr lang="de-DE" dirty="0" err="1"/>
+              <a:t>Lessons</a:t>
+            </a:r>
+            <a:r>
               <a:rPr lang="de-DE" dirty="0"/>
-              <a:t>Positives</a:t>
-            </a:r>
+              <a:t> </a:t>
+            </a:r>
+            <a:r>
+              <a:rPr lang="de-DE" dirty="0" err="1"/>
+              <a:t>Learned</a:t>
+            </a:r>
+            <a:endParaRPr lang="de-DE" dirty="0"/>
           </a:p>
           <a:p>
             <a:pPr lvl="1"/>
             <a:r>
+              <a:rPr lang="de-DE" b="0" i="0" dirty="0">
+                <a:effectLst/>
+              </a:rPr>
+              <a:t>Listen die in einer Klasse immer wieder benutzt werden, sollten als Attribut dieser Klasse verwendet werden!</a:t>
+            </a:r>
+          </a:p>
+          <a:p>
+            <a:pPr lvl="1"/>
+            <a:r>
+              <a:rPr lang="de-DE" b="0" i="0" dirty="0">
+                <a:effectLst/>
+              </a:rPr>
+              <a:t>Keep </a:t>
+            </a:r>
+            <a:r>
+              <a:rPr lang="de-DE" b="0" i="0" dirty="0" err="1">
+                <a:effectLst/>
+              </a:rPr>
+              <a:t>it</a:t>
+            </a:r>
+            <a:r>
+              <a:rPr lang="de-DE" b="0" i="0" dirty="0">
+                <a:effectLst/>
+              </a:rPr>
+              <a:t> </a:t>
+            </a:r>
+            <a:r>
+              <a:rPr lang="de-DE" b="0" i="0" dirty="0" err="1">
+                <a:effectLst/>
+              </a:rPr>
+              <a:t>short</a:t>
+            </a:r>
+            <a:r>
+              <a:rPr lang="de-DE" b="0" i="0" dirty="0">
+                <a:effectLst/>
+              </a:rPr>
+              <a:t> and simple </a:t>
+            </a:r>
+            <a:r>
+              <a:rPr lang="de-DE" dirty="0">
+                <a:sym typeface="Wingdings" panose="05000000000000000000" pitchFamily="2" charset="2"/>
+              </a:rPr>
+              <a:t></a:t>
+            </a:r>
+            <a:r>
+              <a:rPr lang="de-DE" b="0" i="0" dirty="0">
+                <a:effectLst/>
+              </a:rPr>
+              <a:t> Kleine Funktionen schreiben, die in Komplexeren Methoden zusammen verwendet werden können!</a:t>
+            </a:r>
+          </a:p>
+          <a:p>
+            <a:pPr lvl="1"/>
+            <a:r>
               <a:rPr lang="de-DE" dirty="0"/>
-              <a:t>gute Planung</a:t>
-            </a:r>
-          </a:p>
-          <a:p>
-            <a:pPr lvl="1"/>
-            <a:r>
-              <a:rPr lang="de-DE" dirty="0"/>
-              <a:t>harmonisches miteinander in der Gruppe</a:t>
-            </a:r>
-          </a:p>
-          <a:p>
-            <a:pPr lvl="1"/>
-            <a:r>
-              <a:rPr lang="de-DE" dirty="0"/>
-              <a:t>stetige Hilfe untereinander</a:t>
-            </a:r>
-          </a:p>
-          <a:p>
-            <a:pPr lvl="1"/>
-            <a:r>
-              <a:rPr lang="de-DE" dirty="0"/>
-              <a:t>sehr gute Kommunikation untereinander</a:t>
-            </a:r>
-          </a:p>
-          <a:p>
-            <a:pPr lvl="1"/>
-            <a:r>
-              <a:rPr lang="de-DE" dirty="0"/>
-              <a:t>Engagement sehr hoch bei jedem</a:t>
+              <a:t>Auf Tipps von der IDE achten</a:t>
             </a:r>
           </a:p>
         </p:txBody>
@@ -6606,7 +6650,7 @@
     </p:spTree>
     <p:extLst>
       <p:ext uri="{BB962C8B-B14F-4D97-AF65-F5344CB8AC3E}">
-        <p14:creationId xmlns:p14="http://schemas.microsoft.com/office/powerpoint/2010/main" val="1245784456"/>
+        <p14:creationId xmlns:p14="http://schemas.microsoft.com/office/powerpoint/2010/main" val="1456039882"/>
       </p:ext>
     </p:extLst>
   </p:cSld>
@@ -6638,6 +6682,127 @@
           <p:cNvPr id="2" name="Titel 1">
             <a:extLst>
               <a:ext uri="{FF2B5EF4-FFF2-40B4-BE49-F238E27FC236}">
+                <a16:creationId xmlns:a16="http://schemas.microsoft.com/office/drawing/2014/main" id="{CA4211CC-74FE-4331-8B1F-832E96E8DF78}"/>
+              </a:ext>
+            </a:extLst>
+          </p:cNvPr>
+          <p:cNvSpPr>
+            <a:spLocks noGrp="1"/>
+          </p:cNvSpPr>
+          <p:nvPr>
+            <p:ph type="title"/>
+          </p:nvPr>
+        </p:nvSpPr>
+        <p:spPr/>
+        <p:txBody>
+          <a:bodyPr/>
+          <a:lstStyle/>
+          <a:p>
+            <a:r>
+              <a:rPr lang="de-DE" dirty="0"/>
+              <a:t>Zusammenfassung</a:t>
+            </a:r>
+          </a:p>
+        </p:txBody>
+      </p:sp>
+      <p:sp>
+        <p:nvSpPr>
+          <p:cNvPr id="3" name="Inhaltsplatzhalter 2">
+            <a:extLst>
+              <a:ext uri="{FF2B5EF4-FFF2-40B4-BE49-F238E27FC236}">
+                <a16:creationId xmlns:a16="http://schemas.microsoft.com/office/drawing/2014/main" id="{90F36DFE-FFFF-44DA-9B19-AB3B5C477281}"/>
+              </a:ext>
+            </a:extLst>
+          </p:cNvPr>
+          <p:cNvSpPr>
+            <a:spLocks noGrp="1"/>
+          </p:cNvSpPr>
+          <p:nvPr>
+            <p:ph idx="1"/>
+          </p:nvPr>
+        </p:nvSpPr>
+        <p:spPr/>
+        <p:txBody>
+          <a:bodyPr/>
+          <a:lstStyle/>
+          <a:p>
+            <a:r>
+              <a:rPr lang="de-DE" dirty="0"/>
+              <a:t>Positives</a:t>
+            </a:r>
+          </a:p>
+          <a:p>
+            <a:pPr lvl="1"/>
+            <a:r>
+              <a:rPr lang="de-DE" dirty="0"/>
+              <a:t>gute Planung</a:t>
+            </a:r>
+          </a:p>
+          <a:p>
+            <a:pPr lvl="1"/>
+            <a:r>
+              <a:rPr lang="de-DE" dirty="0"/>
+              <a:t>harmonisches miteinander in der Gruppe</a:t>
+            </a:r>
+          </a:p>
+          <a:p>
+            <a:pPr lvl="1"/>
+            <a:r>
+              <a:rPr lang="de-DE" dirty="0"/>
+              <a:t>stetige Hilfe untereinander</a:t>
+            </a:r>
+          </a:p>
+          <a:p>
+            <a:pPr lvl="1"/>
+            <a:r>
+              <a:rPr lang="de-DE" dirty="0"/>
+              <a:t>sehr gute Kommunikation untereinander</a:t>
+            </a:r>
+          </a:p>
+          <a:p>
+            <a:pPr lvl="1"/>
+            <a:r>
+              <a:rPr lang="de-DE" dirty="0"/>
+              <a:t>Engagement sehr hoch bei jedem</a:t>
+            </a:r>
+          </a:p>
+        </p:txBody>
+      </p:sp>
+    </p:spTree>
+    <p:extLst>
+      <p:ext uri="{BB962C8B-B14F-4D97-AF65-F5344CB8AC3E}">
+        <p14:creationId xmlns:p14="http://schemas.microsoft.com/office/powerpoint/2010/main" val="1245784456"/>
+      </p:ext>
+    </p:extLst>
+  </p:cSld>
+  <p:clrMapOvr>
+    <a:masterClrMapping/>
+  </p:clrMapOvr>
+</p:sld>
+</file>
+
+<file path=ppt/slides/slide23.xml><?xml version="1.0" encoding="utf-8"?>
+<p:sld xmlns:a="http://schemas.openxmlformats.org/drawingml/2006/main" xmlns:r="http://schemas.openxmlformats.org/officeDocument/2006/relationships" xmlns:p="http://schemas.openxmlformats.org/presentationml/2006/main">
+  <p:cSld>
+    <p:spTree>
+      <p:nvGrpSpPr>
+        <p:cNvPr id="1" name=""/>
+        <p:cNvGrpSpPr/>
+        <p:nvPr/>
+      </p:nvGrpSpPr>
+      <p:grpSpPr>
+        <a:xfrm>
+          <a:off x="0" y="0"/>
+          <a:ext cx="0" cy="0"/>
+          <a:chOff x="0" y="0"/>
+          <a:chExt cx="0" cy="0"/>
+        </a:xfrm>
+      </p:grpSpPr>
+      <p:sp>
+        <p:nvSpPr>
+          <p:cNvPr id="2" name="Titel 1">
+            <a:extLst>
+              <a:ext uri="{FF2B5EF4-FFF2-40B4-BE49-F238E27FC236}">
                 <a16:creationId xmlns:a16="http://schemas.microsoft.com/office/drawing/2014/main" id="{598578BA-F59B-48C3-BD58-F8D9F078FDB7}"/>
               </a:ext>
             </a:extLst>
@@ -6727,7 +6892,7 @@
 </p:sld>
 </file>
 
-<file path=ppt/slides/slide23.xml><?xml version="1.0" encoding="utf-8"?>
+<file path=ppt/slides/slide24.xml><?xml version="1.0" encoding="utf-8"?>
 <p:sld xmlns:a="http://schemas.openxmlformats.org/drawingml/2006/main" xmlns:r="http://schemas.openxmlformats.org/officeDocument/2006/relationships" xmlns:p="http://schemas.openxmlformats.org/presentationml/2006/main">
   <p:cSld>
     <p:spTree>

--- a/Präsentation/404Notfound_Praesi_Abschluss.pptx
+++ b/Präsentation/404Notfound_Praesi_Abschluss.pptx
@@ -17,10 +17,10 @@
     <p:sldId id="308" r:id="rId11"/>
     <p:sldId id="309" r:id="rId12"/>
     <p:sldId id="299" r:id="rId13"/>
-    <p:sldId id="301" r:id="rId14"/>
-    <p:sldId id="305" r:id="rId15"/>
-    <p:sldId id="304" r:id="rId16"/>
-    <p:sldId id="310" r:id="rId17"/>
+    <p:sldId id="305" r:id="rId14"/>
+    <p:sldId id="304" r:id="rId15"/>
+    <p:sldId id="310" r:id="rId16"/>
+    <p:sldId id="313" r:id="rId17"/>
     <p:sldId id="300" r:id="rId18"/>
     <p:sldId id="295" r:id="rId19"/>
     <p:sldId id="302" r:id="rId20"/>
@@ -5504,7 +5504,7 @@
           <p:cNvPr id="2" name="Titel 1">
             <a:extLst>
               <a:ext uri="{FF2B5EF4-FFF2-40B4-BE49-F238E27FC236}">
-                <a16:creationId xmlns:a16="http://schemas.microsoft.com/office/drawing/2014/main" id="{FF7234F5-1C91-4951-AFF5-56B4758CA7D6}"/>
+                <a16:creationId xmlns:a16="http://schemas.microsoft.com/office/drawing/2014/main" id="{585B1E6E-AF7E-45BB-81D4-961A07894789}"/>
               </a:ext>
             </a:extLst>
           </p:cNvPr>
@@ -5527,81 +5527,226 @@
           </a:p>
         </p:txBody>
       </p:sp>
-      <p:sp>
-        <p:nvSpPr>
-          <p:cNvPr id="3" name="Inhaltsplatzhalter 2">
-            <a:extLst>
-              <a:ext uri="{FF2B5EF4-FFF2-40B4-BE49-F238E27FC236}">
-                <a16:creationId xmlns:a16="http://schemas.microsoft.com/office/drawing/2014/main" id="{DA8C90BC-4546-46AC-B6EC-4E65A4DEE2EE}"/>
-              </a:ext>
-            </a:extLst>
-          </p:cNvPr>
-          <p:cNvSpPr>
-            <a:spLocks noGrp="1"/>
-          </p:cNvSpPr>
+      <p:pic>
+        <p:nvPicPr>
+          <p:cNvPr id="5" name="Inhaltsplatzhalter 4">
+            <a:extLst>
+              <a:ext uri="{FF2B5EF4-FFF2-40B4-BE49-F238E27FC236}">
+                <a16:creationId xmlns:a16="http://schemas.microsoft.com/office/drawing/2014/main" id="{369665CB-C9A6-4268-8166-952F2EA0B627}"/>
+              </a:ext>
+            </a:extLst>
+          </p:cNvPr>
+          <p:cNvPicPr>
+            <a:picLocks noGrp="1" noChangeAspect="1"/>
+          </p:cNvPicPr>
           <p:nvPr>
             <p:ph idx="1"/>
           </p:nvPr>
-        </p:nvSpPr>
-        <p:spPr/>
-        <p:txBody>
-          <a:bodyPr/>
+        </p:nvPicPr>
+        <p:blipFill>
+          <a:blip r:embed="rId2"/>
+          <a:stretch>
+            <a:fillRect/>
+          </a:stretch>
+        </p:blipFill>
+        <p:spPr>
+          <a:xfrm>
+            <a:off x="950675" y="1800056"/>
+            <a:ext cx="4297856" cy="4680953"/>
+          </a:xfrm>
+        </p:spPr>
+      </p:pic>
+      <p:pic>
+        <p:nvPicPr>
+          <p:cNvPr id="8" name="Grafik 7">
+            <a:extLst>
+              <a:ext uri="{FF2B5EF4-FFF2-40B4-BE49-F238E27FC236}">
+                <a16:creationId xmlns:a16="http://schemas.microsoft.com/office/drawing/2014/main" id="{1EBE9A22-48BE-4C34-86B6-30850D92753C}"/>
+              </a:ext>
+            </a:extLst>
+          </p:cNvPr>
+          <p:cNvPicPr>
+            <a:picLocks noChangeAspect="1"/>
+          </p:cNvPicPr>
+          <p:nvPr/>
+        </p:nvPicPr>
+        <p:blipFill>
+          <a:blip r:embed="rId3"/>
+          <a:stretch>
+            <a:fillRect/>
+          </a:stretch>
+        </p:blipFill>
+        <p:spPr>
+          <a:xfrm>
+            <a:off x="5848966" y="2788132"/>
+            <a:ext cx="5452953" cy="1118232"/>
+          </a:xfrm>
+          <a:prstGeom prst="rect">
+            <a:avLst/>
+          </a:prstGeom>
+        </p:spPr>
+      </p:pic>
+      <p:sp>
+        <p:nvSpPr>
+          <p:cNvPr id="3" name="Textfeld 2">
+            <a:extLst>
+              <a:ext uri="{FF2B5EF4-FFF2-40B4-BE49-F238E27FC236}">
+                <a16:creationId xmlns:a16="http://schemas.microsoft.com/office/drawing/2014/main" id="{BCFE4E5A-6C60-443E-968A-EF53921003E2}"/>
+              </a:ext>
+            </a:extLst>
+          </p:cNvPr>
+          <p:cNvSpPr txBox="1"/>
+          <p:nvPr/>
+        </p:nvSpPr>
+        <p:spPr>
+          <a:xfrm>
+            <a:off x="5848966" y="1995357"/>
+            <a:ext cx="4340484" cy="646331"/>
+          </a:xfrm>
+          <a:prstGeom prst="rect">
+            <a:avLst/>
+          </a:prstGeom>
+          <a:noFill/>
+        </p:spPr>
+        <p:txBody>
+          <a:bodyPr wrap="none" rtlCol="0">
+            <a:spAutoFit/>
+          </a:bodyPr>
           <a:lstStyle/>
           <a:p>
+            <a:pPr marL="285750" indent="-285750">
+              <a:buFont typeface="Wingdings" panose="05000000000000000000" pitchFamily="2" charset="2"/>
+              <a:buChar char="§"/>
+            </a:pPr>
             <a:r>
               <a:rPr lang="de-DE" dirty="0"/>
-              <a:t>Clean Code eingehalten? </a:t>
-            </a:r>
-          </a:p>
-          <a:p>
+              <a:t>Bezeichner selbsterklärend gewählt</a:t>
+            </a:r>
+          </a:p>
+          <a:p>
+            <a:pPr marL="285750" indent="-285750">
+              <a:buFont typeface="Wingdings" panose="05000000000000000000" pitchFamily="2" charset="2"/>
+              <a:buChar char="§"/>
+            </a:pPr>
+            <a:r>
+              <a:rPr lang="de-DE" dirty="0" err="1"/>
+              <a:t>JavaDocs</a:t>
+            </a:r>
+            <a:r>
+              <a:rPr lang="de-DE" dirty="0"/>
+              <a:t> in jeder Klasse vorhanden</a:t>
+            </a:r>
+          </a:p>
+        </p:txBody>
+      </p:sp>
+      <p:sp>
+        <p:nvSpPr>
+          <p:cNvPr id="10" name="Textfeld 9">
+            <a:extLst>
+              <a:ext uri="{FF2B5EF4-FFF2-40B4-BE49-F238E27FC236}">
+                <a16:creationId xmlns:a16="http://schemas.microsoft.com/office/drawing/2014/main" id="{570004FA-713B-4AB8-A9BA-51C8151552DA}"/>
+              </a:ext>
+            </a:extLst>
+          </p:cNvPr>
+          <p:cNvSpPr txBox="1"/>
+          <p:nvPr/>
+        </p:nvSpPr>
+        <p:spPr>
+          <a:xfrm>
+            <a:off x="5848966" y="4415854"/>
+            <a:ext cx="5996289" cy="646331"/>
+          </a:xfrm>
+          <a:prstGeom prst="rect">
+            <a:avLst/>
+          </a:prstGeom>
+          <a:noFill/>
+        </p:spPr>
+        <p:txBody>
+          <a:bodyPr wrap="square" rtlCol="0">
+            <a:spAutoFit/>
+          </a:bodyPr>
+          <a:lstStyle/>
+          <a:p>
+            <a:pPr marL="285750" indent="-285750">
+              <a:buFont typeface="Wingdings" panose="05000000000000000000" pitchFamily="2" charset="2"/>
+              <a:buChar char="§"/>
+            </a:pPr>
+            <a:r>
+              <a:rPr lang="de-DE" dirty="0"/>
+              <a:t>Kontrolle des Programmflusses durch Logger und </a:t>
+            </a:r>
+            <a:r>
+              <a:rPr lang="de-DE" dirty="0" err="1"/>
+              <a:t>Exceptions</a:t>
+            </a:r>
             <a:endParaRPr lang="de-DE" dirty="0"/>
           </a:p>
-          <a:p>
-            <a:r>
-              <a:rPr lang="de-DE" dirty="0"/>
-              <a:t>Tests zu den wichtigsten Funktionen?</a:t>
-            </a:r>
-          </a:p>
-          <a:p>
-            <a:endParaRPr lang="de-DE" dirty="0"/>
-          </a:p>
-          <a:p>
-            <a:r>
-              <a:rPr lang="de-DE" dirty="0"/>
-              <a:t>Nutzung von unterschiedlichen </a:t>
-            </a:r>
-            <a:r>
-              <a:rPr lang="de-DE" dirty="0" err="1"/>
-              <a:t>Branches</a:t>
-            </a:r>
-            <a:r>
-              <a:rPr lang="de-DE" dirty="0"/>
-              <a:t>?</a:t>
-            </a:r>
-          </a:p>
-          <a:p>
-            <a:endParaRPr lang="de-DE" dirty="0"/>
-          </a:p>
-          <a:p>
-            <a:r>
-              <a:rPr lang="de-DE" dirty="0"/>
-              <a:t>An den </a:t>
-            </a:r>
-            <a:r>
-              <a:rPr lang="de-DE" dirty="0" err="1"/>
-              <a:t>JavaCodeStyle</a:t>
-            </a:r>
-            <a:r>
-              <a:rPr lang="de-DE" dirty="0"/>
-              <a:t> gehalten?</a:t>
-            </a:r>
-          </a:p>
-        </p:txBody>
-      </p:sp>
+        </p:txBody>
+      </p:sp>
+      <p:pic>
+        <p:nvPicPr>
+          <p:cNvPr id="11" name="Grafik 10">
+            <a:extLst>
+              <a:ext uri="{FF2B5EF4-FFF2-40B4-BE49-F238E27FC236}">
+                <a16:creationId xmlns:a16="http://schemas.microsoft.com/office/drawing/2014/main" id="{98A4F6D0-740C-4C49-8A37-6209B257C90A}"/>
+              </a:ext>
+            </a:extLst>
+          </p:cNvPr>
+          <p:cNvPicPr>
+            <a:picLocks noChangeAspect="1"/>
+          </p:cNvPicPr>
+          <p:nvPr/>
+        </p:nvPicPr>
+        <p:blipFill>
+          <a:blip r:embed="rId4"/>
+          <a:stretch>
+            <a:fillRect/>
+          </a:stretch>
+        </p:blipFill>
+        <p:spPr>
+          <a:xfrm>
+            <a:off x="5848966" y="5628783"/>
+            <a:ext cx="5996289" cy="327294"/>
+          </a:xfrm>
+          <a:prstGeom prst="rect">
+            <a:avLst/>
+          </a:prstGeom>
+        </p:spPr>
+      </p:pic>
+      <p:pic>
+        <p:nvPicPr>
+          <p:cNvPr id="12" name="Grafik 11">
+            <a:extLst>
+              <a:ext uri="{FF2B5EF4-FFF2-40B4-BE49-F238E27FC236}">
+                <a16:creationId xmlns:a16="http://schemas.microsoft.com/office/drawing/2014/main" id="{2E74794F-28C7-4A60-BE17-607892645676}"/>
+              </a:ext>
+            </a:extLst>
+          </p:cNvPr>
+          <p:cNvPicPr>
+            <a:picLocks noChangeAspect="1"/>
+          </p:cNvPicPr>
+          <p:nvPr/>
+        </p:nvPicPr>
+        <p:blipFill>
+          <a:blip r:embed="rId5"/>
+          <a:stretch>
+            <a:fillRect/>
+          </a:stretch>
+        </p:blipFill>
+        <p:spPr>
+          <a:xfrm>
+            <a:off x="5848966" y="5142560"/>
+            <a:ext cx="5570453" cy="405847"/>
+          </a:xfrm>
+          <a:prstGeom prst="rect">
+            <a:avLst/>
+          </a:prstGeom>
+        </p:spPr>
+      </p:pic>
     </p:spTree>
     <p:extLst>
       <p:ext uri="{BB962C8B-B14F-4D97-AF65-F5344CB8AC3E}">
-        <p14:creationId xmlns:p14="http://schemas.microsoft.com/office/powerpoint/2010/main" val="2154212405"/>
+        <p14:creationId xmlns:p14="http://schemas.microsoft.com/office/powerpoint/2010/main" val="2442096202"/>
       </p:ext>
     </p:extLst>
   </p:cSld>
@@ -5633,7 +5778,7 @@
           <p:cNvPr id="2" name="Titel 1">
             <a:extLst>
               <a:ext uri="{FF2B5EF4-FFF2-40B4-BE49-F238E27FC236}">
-                <a16:creationId xmlns:a16="http://schemas.microsoft.com/office/drawing/2014/main" id="{585B1E6E-AF7E-45BB-81D4-961A07894789}"/>
+                <a16:creationId xmlns:a16="http://schemas.microsoft.com/office/drawing/2014/main" id="{1F561BA6-9173-42CF-948C-957893736421}"/>
               </a:ext>
             </a:extLst>
           </p:cNvPr>
@@ -5661,7 +5806,7 @@
           <p:cNvPr id="5" name="Inhaltsplatzhalter 4">
             <a:extLst>
               <a:ext uri="{FF2B5EF4-FFF2-40B4-BE49-F238E27FC236}">
-                <a16:creationId xmlns:a16="http://schemas.microsoft.com/office/drawing/2014/main" id="{369665CB-C9A6-4268-8166-952F2EA0B627}"/>
+                <a16:creationId xmlns:a16="http://schemas.microsoft.com/office/drawing/2014/main" id="{88301378-3681-405E-B059-D6319DACA8E8}"/>
               </a:ext>
             </a:extLst>
           </p:cNvPr>
@@ -5680,17 +5825,17 @@
         </p:blipFill>
         <p:spPr>
           <a:xfrm>
-            <a:off x="950675" y="1800056"/>
-            <a:ext cx="4297856" cy="4680953"/>
+            <a:off x="1063752" y="1792037"/>
+            <a:ext cx="3668669" cy="4917440"/>
           </a:xfrm>
         </p:spPr>
       </p:pic>
       <p:pic>
         <p:nvPicPr>
-          <p:cNvPr id="7" name="Grafik 6">
-            <a:extLst>
-              <a:ext uri="{FF2B5EF4-FFF2-40B4-BE49-F238E27FC236}">
-                <a16:creationId xmlns:a16="http://schemas.microsoft.com/office/drawing/2014/main" id="{227DAC20-95F7-47D8-887A-A28D9E0F14D4}"/>
+          <p:cNvPr id="4" name="Grafik 3">
+            <a:extLst>
+              <a:ext uri="{FF2B5EF4-FFF2-40B4-BE49-F238E27FC236}">
+                <a16:creationId xmlns:a16="http://schemas.microsoft.com/office/drawing/2014/main" id="{D26028DB-99D5-4D2B-A13D-6F5F001DDBAA}"/>
               </a:ext>
             </a:extLst>
           </p:cNvPr>
@@ -5707,8 +5852,8 @@
         </p:blipFill>
         <p:spPr>
           <a:xfrm>
-            <a:off x="6041405" y="1796755"/>
-            <a:ext cx="5080747" cy="2264697"/>
+            <a:off x="5286163" y="1774116"/>
+            <a:ext cx="5288342" cy="639719"/>
           </a:xfrm>
           <a:prstGeom prst="rect">
             <a:avLst/>
@@ -5717,10 +5862,10 @@
       </p:pic>
       <p:pic>
         <p:nvPicPr>
-          <p:cNvPr id="9" name="Grafik 8">
-            <a:extLst>
-              <a:ext uri="{FF2B5EF4-FFF2-40B4-BE49-F238E27FC236}">
-                <a16:creationId xmlns:a16="http://schemas.microsoft.com/office/drawing/2014/main" id="{55D67242-3B40-419D-B3BE-B75A6AC1D43D}"/>
+          <p:cNvPr id="3" name="Grafik 2">
+            <a:extLst>
+              <a:ext uri="{FF2B5EF4-FFF2-40B4-BE49-F238E27FC236}">
+                <a16:creationId xmlns:a16="http://schemas.microsoft.com/office/drawing/2014/main" id="{4EFAC651-CA28-4DC3-9C21-D87B01EE6EDC}"/>
               </a:ext>
             </a:extLst>
           </p:cNvPr>
@@ -5737,18 +5882,77 @@
         </p:blipFill>
         <p:spPr>
           <a:xfrm>
-            <a:off x="5591357" y="4815752"/>
-            <a:ext cx="6218458" cy="1128850"/>
+            <a:off x="5286163" y="2645253"/>
+            <a:ext cx="4494384" cy="2334973"/>
           </a:xfrm>
           <a:prstGeom prst="rect">
             <a:avLst/>
           </a:prstGeom>
         </p:spPr>
       </p:pic>
+      <p:sp>
+        <p:nvSpPr>
+          <p:cNvPr id="7" name="Textfeld 6">
+            <a:extLst>
+              <a:ext uri="{FF2B5EF4-FFF2-40B4-BE49-F238E27FC236}">
+                <a16:creationId xmlns:a16="http://schemas.microsoft.com/office/drawing/2014/main" id="{CA504159-12DE-4ED1-9637-CE5C0CCA6F26}"/>
+              </a:ext>
+            </a:extLst>
+          </p:cNvPr>
+          <p:cNvSpPr txBox="1"/>
+          <p:nvPr/>
+        </p:nvSpPr>
+        <p:spPr>
+          <a:xfrm>
+            <a:off x="5286163" y="5211644"/>
+            <a:ext cx="6579302" cy="923330"/>
+          </a:xfrm>
+          <a:prstGeom prst="rect">
+            <a:avLst/>
+          </a:prstGeom>
+          <a:noFill/>
+        </p:spPr>
+        <p:txBody>
+          <a:bodyPr wrap="none" rtlCol="0">
+            <a:spAutoFit/>
+          </a:bodyPr>
+          <a:lstStyle/>
+          <a:p>
+            <a:pPr marL="285750" indent="-285750">
+              <a:buFont typeface="Wingdings" panose="05000000000000000000" pitchFamily="2" charset="2"/>
+              <a:buChar char="§"/>
+            </a:pPr>
+            <a:r>
+              <a:rPr lang="de-DE" dirty="0"/>
+              <a:t>Tests aller komplexen Methoden</a:t>
+            </a:r>
+          </a:p>
+          <a:p>
+            <a:pPr marL="285750" indent="-285750">
+              <a:buFont typeface="Wingdings" panose="05000000000000000000" pitchFamily="2" charset="2"/>
+              <a:buChar char="§"/>
+            </a:pPr>
+            <a:r>
+              <a:rPr lang="de-DE" dirty="0"/>
+              <a:t>Strukturierung  der Testklassen nach dem „GWT“-Prinzip</a:t>
+            </a:r>
+          </a:p>
+          <a:p>
+            <a:pPr marL="285750" indent="-285750">
+              <a:buFont typeface="Wingdings" panose="05000000000000000000" pitchFamily="2" charset="2"/>
+              <a:buChar char="§"/>
+            </a:pPr>
+            <a:r>
+              <a:rPr lang="de-DE" dirty="0"/>
+              <a:t>100 Test in 21 Testklassen</a:t>
+            </a:r>
+          </a:p>
+        </p:txBody>
+      </p:sp>
     </p:spTree>
     <p:extLst>
       <p:ext uri="{BB962C8B-B14F-4D97-AF65-F5344CB8AC3E}">
-        <p14:creationId xmlns:p14="http://schemas.microsoft.com/office/powerpoint/2010/main" val="2442096202"/>
+        <p14:creationId xmlns:p14="http://schemas.microsoft.com/office/powerpoint/2010/main" val="3912236366"/>
       </p:ext>
     </p:extLst>
   </p:cSld>
@@ -5780,7 +5984,7 @@
           <p:cNvPr id="2" name="Titel 1">
             <a:extLst>
               <a:ext uri="{FF2B5EF4-FFF2-40B4-BE49-F238E27FC236}">
-                <a16:creationId xmlns:a16="http://schemas.microsoft.com/office/drawing/2014/main" id="{1F561BA6-9173-42CF-948C-957893736421}"/>
+                <a16:creationId xmlns:a16="http://schemas.microsoft.com/office/drawing/2014/main" id="{6B0DB580-1CF1-4AC7-BEB9-0A942443A876}"/>
               </a:ext>
             </a:extLst>
           </p:cNvPr>
@@ -5797,27 +6001,26 @@
           <a:lstStyle/>
           <a:p>
             <a:r>
-              <a:rPr lang="de-DE" dirty="0"/>
-              <a:t>Code &amp; Tests</a:t>
-            </a:r>
+              <a:rPr lang="de-DE" dirty="0" err="1"/>
+              <a:t>Javadoc</a:t>
+            </a:r>
+            <a:endParaRPr lang="de-DE" dirty="0"/>
           </a:p>
         </p:txBody>
       </p:sp>
       <p:pic>
         <p:nvPicPr>
-          <p:cNvPr id="5" name="Inhaltsplatzhalter 4">
-            <a:extLst>
-              <a:ext uri="{FF2B5EF4-FFF2-40B4-BE49-F238E27FC236}">
-                <a16:creationId xmlns:a16="http://schemas.microsoft.com/office/drawing/2014/main" id="{88301378-3681-405E-B059-D6319DACA8E8}"/>
+          <p:cNvPr id="5" name="Grafik 4">
+            <a:extLst>
+              <a:ext uri="{FF2B5EF4-FFF2-40B4-BE49-F238E27FC236}">
+                <a16:creationId xmlns:a16="http://schemas.microsoft.com/office/drawing/2014/main" id="{90DAEABE-4CA5-408C-9D2B-5528D2C11CDA}"/>
               </a:ext>
             </a:extLst>
           </p:cNvPr>
           <p:cNvPicPr>
-            <a:picLocks noGrp="1" noChangeAspect="1"/>
+            <a:picLocks noChangeAspect="1"/>
           </p:cNvPicPr>
-          <p:nvPr>
-            <p:ph idx="1"/>
-          </p:nvPr>
+          <p:nvPr/>
         </p:nvPicPr>
         <p:blipFill>
           <a:blip r:embed="rId2"/>
@@ -5827,65 +6030,8 @@
         </p:blipFill>
         <p:spPr>
           <a:xfrm>
-            <a:off x="1063752" y="1792037"/>
-            <a:ext cx="3668669" cy="4917440"/>
-          </a:xfrm>
-        </p:spPr>
-      </p:pic>
-      <p:pic>
-        <p:nvPicPr>
-          <p:cNvPr id="9" name="Grafik 8">
-            <a:extLst>
-              <a:ext uri="{FF2B5EF4-FFF2-40B4-BE49-F238E27FC236}">
-                <a16:creationId xmlns:a16="http://schemas.microsoft.com/office/drawing/2014/main" id="{A564BC1C-D495-47B1-9C6E-3E87C4C95822}"/>
-              </a:ext>
-            </a:extLst>
-          </p:cNvPr>
-          <p:cNvPicPr>
-            <a:picLocks noChangeAspect="1"/>
-          </p:cNvPicPr>
-          <p:nvPr/>
-        </p:nvPicPr>
-        <p:blipFill>
-          <a:blip r:embed="rId3"/>
-          <a:stretch>
-            <a:fillRect/>
-          </a:stretch>
-        </p:blipFill>
-        <p:spPr>
-          <a:xfrm>
-            <a:off x="5206658" y="3515402"/>
-            <a:ext cx="5549573" cy="1470709"/>
-          </a:xfrm>
-          <a:prstGeom prst="rect">
-            <a:avLst/>
-          </a:prstGeom>
-        </p:spPr>
-      </p:pic>
-      <p:pic>
-        <p:nvPicPr>
-          <p:cNvPr id="4" name="Grafik 3">
-            <a:extLst>
-              <a:ext uri="{FF2B5EF4-FFF2-40B4-BE49-F238E27FC236}">
-                <a16:creationId xmlns:a16="http://schemas.microsoft.com/office/drawing/2014/main" id="{D26028DB-99D5-4D2B-A13D-6F5F001DDBAA}"/>
-              </a:ext>
-            </a:extLst>
-          </p:cNvPr>
-          <p:cNvPicPr>
-            <a:picLocks noChangeAspect="1"/>
-          </p:cNvPicPr>
-          <p:nvPr/>
-        </p:nvPicPr>
-        <p:blipFill>
-          <a:blip r:embed="rId4"/>
-          <a:stretch>
-            <a:fillRect/>
-          </a:stretch>
-        </p:blipFill>
-        <p:spPr>
-          <a:xfrm>
-            <a:off x="5315787" y="2093976"/>
-            <a:ext cx="5288342" cy="639719"/>
+            <a:off x="233265" y="1738899"/>
+            <a:ext cx="10515600" cy="4274407"/>
           </a:xfrm>
           <a:prstGeom prst="rect">
             <a:avLst/>
@@ -5895,7 +6041,7 @@
     </p:spTree>
     <p:extLst>
       <p:ext uri="{BB962C8B-B14F-4D97-AF65-F5344CB8AC3E}">
-        <p14:creationId xmlns:p14="http://schemas.microsoft.com/office/powerpoint/2010/main" val="3912236366"/>
+        <p14:creationId xmlns:p14="http://schemas.microsoft.com/office/powerpoint/2010/main" val="3953664322"/>
       </p:ext>
     </p:extLst>
   </p:cSld>
@@ -5927,7 +6073,7 @@
           <p:cNvPr id="2" name="Titel 1">
             <a:extLst>
               <a:ext uri="{FF2B5EF4-FFF2-40B4-BE49-F238E27FC236}">
-                <a16:creationId xmlns:a16="http://schemas.microsoft.com/office/drawing/2014/main" id="{6B0DB580-1CF1-4AC7-BEB9-0A942443A876}"/>
+                <a16:creationId xmlns:a16="http://schemas.microsoft.com/office/drawing/2014/main" id="{316711DE-7926-4FB6-84D9-057C576188E2}"/>
               </a:ext>
             </a:extLst>
           </p:cNvPr>
@@ -5945,76 +6091,92 @@
           <a:p>
             <a:r>
               <a:rPr lang="de-DE" dirty="0" err="1"/>
-              <a:t>Javadoc</a:t>
+              <a:t>Branches</a:t>
             </a:r>
             <a:endParaRPr lang="de-DE" dirty="0"/>
           </a:p>
         </p:txBody>
       </p:sp>
-      <p:pic>
-        <p:nvPicPr>
-          <p:cNvPr id="5" name="Grafik 4">
-            <a:extLst>
-              <a:ext uri="{FF2B5EF4-FFF2-40B4-BE49-F238E27FC236}">
-                <a16:creationId xmlns:a16="http://schemas.microsoft.com/office/drawing/2014/main" id="{90DAEABE-4CA5-408C-9D2B-5528D2C11CDA}"/>
-              </a:ext>
-            </a:extLst>
-          </p:cNvPr>
-          <p:cNvPicPr>
-            <a:picLocks noChangeAspect="1"/>
-          </p:cNvPicPr>
-          <p:nvPr/>
-        </p:nvPicPr>
-        <p:blipFill>
-          <a:blip r:embed="rId2"/>
-          <a:stretch>
-            <a:fillRect/>
-          </a:stretch>
-        </p:blipFill>
-        <p:spPr>
-          <a:xfrm>
-            <a:off x="233265" y="1738899"/>
-            <a:ext cx="10515600" cy="4274407"/>
-          </a:xfrm>
-          <a:prstGeom prst="rect">
-            <a:avLst/>
-          </a:prstGeom>
-        </p:spPr>
-      </p:pic>
-      <p:pic>
-        <p:nvPicPr>
-          <p:cNvPr id="7" name="Grafik 6">
-            <a:extLst>
-              <a:ext uri="{FF2B5EF4-FFF2-40B4-BE49-F238E27FC236}">
-                <a16:creationId xmlns:a16="http://schemas.microsoft.com/office/drawing/2014/main" id="{2C9E8F65-7D62-4927-A924-7ADA7568491E}"/>
-              </a:ext>
-            </a:extLst>
-          </p:cNvPr>
-          <p:cNvPicPr>
-            <a:picLocks noChangeAspect="1"/>
-          </p:cNvPicPr>
-          <p:nvPr/>
-        </p:nvPicPr>
-        <p:blipFill>
-          <a:blip r:embed="rId3"/>
-          <a:stretch>
-            <a:fillRect/>
-          </a:stretch>
-        </p:blipFill>
-        <p:spPr>
-          <a:xfrm>
-            <a:off x="4110925" y="1624480"/>
-            <a:ext cx="7847810" cy="1609343"/>
-          </a:xfrm>
-          <a:prstGeom prst="rect">
-            <a:avLst/>
-          </a:prstGeom>
-        </p:spPr>
-      </p:pic>
+      <p:sp>
+        <p:nvSpPr>
+          <p:cNvPr id="3" name="Inhaltsplatzhalter 2">
+            <a:extLst>
+              <a:ext uri="{FF2B5EF4-FFF2-40B4-BE49-F238E27FC236}">
+                <a16:creationId xmlns:a16="http://schemas.microsoft.com/office/drawing/2014/main" id="{F7221D31-9142-421E-9E00-FEDC78386701}"/>
+              </a:ext>
+            </a:extLst>
+          </p:cNvPr>
+          <p:cNvSpPr>
+            <a:spLocks noGrp="1"/>
+          </p:cNvSpPr>
+          <p:nvPr>
+            <p:ph idx="1"/>
+          </p:nvPr>
+        </p:nvSpPr>
+        <p:spPr/>
+        <p:txBody>
+          <a:bodyPr/>
+          <a:lstStyle/>
+          <a:p>
+            <a:r>
+              <a:rPr lang="de-DE" dirty="0"/>
+              <a:t>Haben wir verschiedene </a:t>
+            </a:r>
+            <a:r>
+              <a:rPr lang="de-DE" dirty="0" err="1"/>
+              <a:t>Branches</a:t>
+            </a:r>
+            <a:r>
+              <a:rPr lang="de-DE" dirty="0"/>
+              <a:t> genutzt?</a:t>
+            </a:r>
+          </a:p>
+          <a:p>
+            <a:endParaRPr lang="de-DE" dirty="0"/>
+          </a:p>
+          <a:p>
+            <a:pPr lvl="1"/>
+            <a:r>
+              <a:rPr lang="de-DE" dirty="0"/>
+              <a:t>Ja,</a:t>
+            </a:r>
+          </a:p>
+          <a:p>
+            <a:pPr lvl="1"/>
+            <a:endParaRPr lang="de-DE" dirty="0"/>
+          </a:p>
+          <a:p>
+            <a:pPr lvl="2"/>
+            <a:r>
+              <a:rPr lang="de-DE" dirty="0"/>
+              <a:t>Bessere Übersicht über neue Inhalte und Features von Teammitgliedern</a:t>
+            </a:r>
+          </a:p>
+          <a:p>
+            <a:pPr lvl="2"/>
+            <a:endParaRPr lang="de-DE" dirty="0"/>
+          </a:p>
+          <a:p>
+            <a:pPr lvl="2"/>
+            <a:r>
+              <a:rPr lang="de-DE" dirty="0"/>
+              <a:t>Bessere Kontrolle bei </a:t>
+            </a:r>
+            <a:r>
+              <a:rPr lang="de-DE" dirty="0" err="1"/>
+              <a:t>Merges</a:t>
+            </a:r>
+            <a:r>
+              <a:rPr lang="de-DE" dirty="0"/>
+              <a:t> von Änderungen und Features durch Teammitglieder</a:t>
+            </a:r>
+          </a:p>
+        </p:txBody>
+      </p:sp>
     </p:spTree>
     <p:extLst>
       <p:ext uri="{BB962C8B-B14F-4D97-AF65-F5344CB8AC3E}">
-        <p14:creationId xmlns:p14="http://schemas.microsoft.com/office/powerpoint/2010/main" val="3953664322"/>
+        <p14:creationId xmlns:p14="http://schemas.microsoft.com/office/powerpoint/2010/main" val="478053591"/>
       </p:ext>
     </p:extLst>
   </p:cSld>
